--- a/docs/figs/logo.pptx
+++ b/docs/figs/logo.pptx
@@ -2973,6 +2973,46 @@
           <a:chExt cx="0" cy="0"/>
         </a:xfrm>
       </p:grpSpPr>
+      <p:cxnSp>
+        <p:nvCxnSpPr>
+          <p:cNvPr id="22" name="Straight Connector 21">
+            <a:extLst>
+              <a:ext uri="{FF2B5EF4-FFF2-40B4-BE49-F238E27FC236}">
+                <a16:creationId xmlns:a16="http://schemas.microsoft.com/office/drawing/2014/main" id="{E904E6E1-D797-76AE-291E-458169473BF6}"/>
+              </a:ext>
+            </a:extLst>
+          </p:cNvPr>
+          <p:cNvCxnSpPr>
+            <a:cxnSpLocks/>
+            <a:stCxn id="6" idx="6"/>
+            <a:endCxn id="21" idx="2"/>
+          </p:cNvCxnSpPr>
+          <p:nvPr/>
+        </p:nvCxnSpPr>
+        <p:spPr>
+          <a:xfrm flipV="1">
+            <a:off x="3026404" y="332912"/>
+            <a:ext cx="1158568" cy="6454"/>
+          </a:xfrm>
+          <a:prstGeom prst="line">
+            <a:avLst/>
+          </a:prstGeom>
+        </p:spPr>
+        <p:style>
+          <a:lnRef idx="1">
+            <a:schemeClr val="dk1"/>
+          </a:lnRef>
+          <a:fillRef idx="0">
+            <a:schemeClr val="dk1"/>
+          </a:fillRef>
+          <a:effectRef idx="0">
+            <a:schemeClr val="dk1"/>
+          </a:effectRef>
+          <a:fontRef idx="minor">
+            <a:schemeClr val="tx1"/>
+          </a:fontRef>
+        </p:style>
+      </p:cxnSp>
       <p:sp>
         <p:nvSpPr>
           <p:cNvPr id="31" name="Oval 30">
@@ -3147,6 +3187,453 @@
               </a:rPr>
               <a:t>ponent</a:t>
             </a:r>
+          </a:p>
+        </p:txBody>
+      </p:sp>
+      <p:sp>
+        <p:nvSpPr>
+          <p:cNvPr id="2" name="Oval 1">
+            <a:extLst>
+              <a:ext uri="{FF2B5EF4-FFF2-40B4-BE49-F238E27FC236}">
+                <a16:creationId xmlns:a16="http://schemas.microsoft.com/office/drawing/2014/main" id="{4E9A40C1-E82E-F607-0EC9-BC160F3E341E}"/>
+              </a:ext>
+            </a:extLst>
+          </p:cNvPr>
+          <p:cNvSpPr>
+            <a:spLocks noChangeAspect="1"/>
+          </p:cNvSpPr>
+          <p:nvPr/>
+        </p:nvSpPr>
+        <p:spPr>
+          <a:xfrm>
+            <a:off x="740404" y="2243427"/>
+            <a:ext cx="72000" cy="72000"/>
+          </a:xfrm>
+          <a:prstGeom prst="ellipse">
+            <a:avLst/>
+          </a:prstGeom>
+        </p:spPr>
+        <p:style>
+          <a:lnRef idx="2">
+            <a:schemeClr val="dk1">
+              <a:shade val="50000"/>
+            </a:schemeClr>
+          </a:lnRef>
+          <a:fillRef idx="1">
+            <a:schemeClr val="dk1"/>
+          </a:fillRef>
+          <a:effectRef idx="0">
+            <a:schemeClr val="dk1"/>
+          </a:effectRef>
+          <a:fontRef idx="minor">
+            <a:schemeClr val="lt1"/>
+          </a:fontRef>
+        </p:style>
+        <p:txBody>
+          <a:bodyPr rtlCol="0" anchor="ctr"/>
+          <a:lstStyle/>
+          <a:p>
+            <a:pPr algn="ctr"/>
+            <a:endParaRPr lang="en-NL" dirty="0"/>
+          </a:p>
+        </p:txBody>
+      </p:sp>
+      <p:sp>
+        <p:nvSpPr>
+          <p:cNvPr id="3" name="Oval 2">
+            <a:extLst>
+              <a:ext uri="{FF2B5EF4-FFF2-40B4-BE49-F238E27FC236}">
+                <a16:creationId xmlns:a16="http://schemas.microsoft.com/office/drawing/2014/main" id="{272C108E-3FB3-344E-5F97-47DADCCD6357}"/>
+              </a:ext>
+            </a:extLst>
+          </p:cNvPr>
+          <p:cNvSpPr>
+            <a:spLocks noChangeAspect="1"/>
+          </p:cNvSpPr>
+          <p:nvPr/>
+        </p:nvSpPr>
+        <p:spPr>
+          <a:xfrm>
+            <a:off x="1029837" y="1436201"/>
+            <a:ext cx="72000" cy="72000"/>
+          </a:xfrm>
+          <a:prstGeom prst="ellipse">
+            <a:avLst/>
+          </a:prstGeom>
+        </p:spPr>
+        <p:style>
+          <a:lnRef idx="2">
+            <a:schemeClr val="dk1">
+              <a:shade val="50000"/>
+            </a:schemeClr>
+          </a:lnRef>
+          <a:fillRef idx="1">
+            <a:schemeClr val="dk1"/>
+          </a:fillRef>
+          <a:effectRef idx="0">
+            <a:schemeClr val="dk1"/>
+          </a:effectRef>
+          <a:fontRef idx="minor">
+            <a:schemeClr val="lt1"/>
+          </a:fontRef>
+        </p:style>
+        <p:txBody>
+          <a:bodyPr rtlCol="0" anchor="ctr"/>
+          <a:lstStyle/>
+          <a:p>
+            <a:pPr algn="ctr"/>
+            <a:endParaRPr lang="en-NL" dirty="0"/>
+          </a:p>
+        </p:txBody>
+      </p:sp>
+      <p:sp>
+        <p:nvSpPr>
+          <p:cNvPr id="4" name="Oval 3">
+            <a:extLst>
+              <a:ext uri="{FF2B5EF4-FFF2-40B4-BE49-F238E27FC236}">
+                <a16:creationId xmlns:a16="http://schemas.microsoft.com/office/drawing/2014/main" id="{8728D9A7-9123-BD9D-BC49-40D98032F436}"/>
+              </a:ext>
+            </a:extLst>
+          </p:cNvPr>
+          <p:cNvSpPr>
+            <a:spLocks noChangeAspect="1"/>
+          </p:cNvSpPr>
+          <p:nvPr/>
+        </p:nvSpPr>
+        <p:spPr>
+          <a:xfrm>
+            <a:off x="1270296" y="924295"/>
+            <a:ext cx="72000" cy="72000"/>
+          </a:xfrm>
+          <a:prstGeom prst="ellipse">
+            <a:avLst/>
+          </a:prstGeom>
+        </p:spPr>
+        <p:style>
+          <a:lnRef idx="2">
+            <a:schemeClr val="dk1">
+              <a:shade val="50000"/>
+            </a:schemeClr>
+          </a:lnRef>
+          <a:fillRef idx="1">
+            <a:schemeClr val="dk1"/>
+          </a:fillRef>
+          <a:effectRef idx="0">
+            <a:schemeClr val="dk1"/>
+          </a:effectRef>
+          <a:fontRef idx="minor">
+            <a:schemeClr val="lt1"/>
+          </a:fontRef>
+        </p:style>
+        <p:txBody>
+          <a:bodyPr rtlCol="0" anchor="ctr"/>
+          <a:lstStyle/>
+          <a:p>
+            <a:pPr algn="ctr"/>
+            <a:endParaRPr lang="en-NL" dirty="0"/>
+          </a:p>
+        </p:txBody>
+      </p:sp>
+      <p:sp>
+        <p:nvSpPr>
+          <p:cNvPr id="5" name="Oval 4">
+            <a:extLst>
+              <a:ext uri="{FF2B5EF4-FFF2-40B4-BE49-F238E27FC236}">
+                <a16:creationId xmlns:a16="http://schemas.microsoft.com/office/drawing/2014/main" id="{53F6E738-C7A8-9BFF-57AF-AC33CBA29964}"/>
+              </a:ext>
+            </a:extLst>
+          </p:cNvPr>
+          <p:cNvSpPr>
+            <a:spLocks noChangeAspect="1"/>
+          </p:cNvSpPr>
+          <p:nvPr/>
+        </p:nvSpPr>
+        <p:spPr>
+          <a:xfrm>
+            <a:off x="1917326" y="493670"/>
+            <a:ext cx="72000" cy="72000"/>
+          </a:xfrm>
+          <a:prstGeom prst="ellipse">
+            <a:avLst/>
+          </a:prstGeom>
+        </p:spPr>
+        <p:style>
+          <a:lnRef idx="2">
+            <a:schemeClr val="dk1">
+              <a:shade val="50000"/>
+            </a:schemeClr>
+          </a:lnRef>
+          <a:fillRef idx="1">
+            <a:schemeClr val="dk1"/>
+          </a:fillRef>
+          <a:effectRef idx="0">
+            <a:schemeClr val="dk1"/>
+          </a:effectRef>
+          <a:fontRef idx="minor">
+            <a:schemeClr val="lt1"/>
+          </a:fontRef>
+        </p:style>
+        <p:txBody>
+          <a:bodyPr rtlCol="0" anchor="ctr"/>
+          <a:lstStyle/>
+          <a:p>
+            <a:pPr algn="ctr"/>
+            <a:endParaRPr lang="en-NL" dirty="0"/>
+          </a:p>
+        </p:txBody>
+      </p:sp>
+      <p:sp>
+        <p:nvSpPr>
+          <p:cNvPr id="6" name="Oval 5">
+            <a:extLst>
+              <a:ext uri="{FF2B5EF4-FFF2-40B4-BE49-F238E27FC236}">
+                <a16:creationId xmlns:a16="http://schemas.microsoft.com/office/drawing/2014/main" id="{C21C6DB2-0B16-4E81-8846-093D5948C665}"/>
+              </a:ext>
+            </a:extLst>
+          </p:cNvPr>
+          <p:cNvSpPr>
+            <a:spLocks noChangeAspect="1"/>
+          </p:cNvSpPr>
+          <p:nvPr/>
+        </p:nvSpPr>
+        <p:spPr>
+          <a:xfrm>
+            <a:off x="2954404" y="303366"/>
+            <a:ext cx="72000" cy="72000"/>
+          </a:xfrm>
+          <a:prstGeom prst="ellipse">
+            <a:avLst/>
+          </a:prstGeom>
+        </p:spPr>
+        <p:style>
+          <a:lnRef idx="2">
+            <a:schemeClr val="dk1">
+              <a:shade val="50000"/>
+            </a:schemeClr>
+          </a:lnRef>
+          <a:fillRef idx="1">
+            <a:schemeClr val="dk1"/>
+          </a:fillRef>
+          <a:effectRef idx="0">
+            <a:schemeClr val="dk1"/>
+          </a:effectRef>
+          <a:fontRef idx="minor">
+            <a:schemeClr val="lt1"/>
+          </a:fontRef>
+        </p:style>
+        <p:txBody>
+          <a:bodyPr rtlCol="0" anchor="ctr"/>
+          <a:lstStyle/>
+          <a:p>
+            <a:pPr algn="ctr"/>
+            <a:endParaRPr lang="en-NL" dirty="0"/>
+          </a:p>
+        </p:txBody>
+      </p:sp>
+      <p:cxnSp>
+        <p:nvCxnSpPr>
+          <p:cNvPr id="8" name="Straight Connector 7">
+            <a:extLst>
+              <a:ext uri="{FF2B5EF4-FFF2-40B4-BE49-F238E27FC236}">
+                <a16:creationId xmlns:a16="http://schemas.microsoft.com/office/drawing/2014/main" id="{AA7DDE32-8985-9D87-271A-F3BA4C68D6B8}"/>
+              </a:ext>
+            </a:extLst>
+          </p:cNvPr>
+          <p:cNvCxnSpPr>
+            <a:stCxn id="2" idx="0"/>
+            <a:endCxn id="3" idx="3"/>
+          </p:cNvCxnSpPr>
+          <p:nvPr/>
+        </p:nvCxnSpPr>
+        <p:spPr>
+          <a:xfrm flipV="1">
+            <a:off x="776404" y="1497657"/>
+            <a:ext cx="263977" cy="745770"/>
+          </a:xfrm>
+          <a:prstGeom prst="line">
+            <a:avLst/>
+          </a:prstGeom>
+        </p:spPr>
+        <p:style>
+          <a:lnRef idx="1">
+            <a:schemeClr val="dk1"/>
+          </a:lnRef>
+          <a:fillRef idx="0">
+            <a:schemeClr val="dk1"/>
+          </a:fillRef>
+          <a:effectRef idx="0">
+            <a:schemeClr val="dk1"/>
+          </a:effectRef>
+          <a:fontRef idx="minor">
+            <a:schemeClr val="tx1"/>
+          </a:fontRef>
+        </p:style>
+      </p:cxnSp>
+      <p:cxnSp>
+        <p:nvCxnSpPr>
+          <p:cNvPr id="9" name="Straight Connector 8">
+            <a:extLst>
+              <a:ext uri="{FF2B5EF4-FFF2-40B4-BE49-F238E27FC236}">
+                <a16:creationId xmlns:a16="http://schemas.microsoft.com/office/drawing/2014/main" id="{50BE0DDC-2C72-BD3E-41C0-1F752DE5A6E8}"/>
+              </a:ext>
+            </a:extLst>
+          </p:cNvPr>
+          <p:cNvCxnSpPr>
+            <a:cxnSpLocks/>
+            <a:stCxn id="3" idx="0"/>
+            <a:endCxn id="4" idx="3"/>
+          </p:cNvCxnSpPr>
+          <p:nvPr/>
+        </p:nvCxnSpPr>
+        <p:spPr>
+          <a:xfrm flipV="1">
+            <a:off x="1065837" y="985751"/>
+            <a:ext cx="215003" cy="450450"/>
+          </a:xfrm>
+          <a:prstGeom prst="line">
+            <a:avLst/>
+          </a:prstGeom>
+        </p:spPr>
+        <p:style>
+          <a:lnRef idx="1">
+            <a:schemeClr val="dk1"/>
+          </a:lnRef>
+          <a:fillRef idx="0">
+            <a:schemeClr val="dk1"/>
+          </a:fillRef>
+          <a:effectRef idx="0">
+            <a:schemeClr val="dk1"/>
+          </a:effectRef>
+          <a:fontRef idx="minor">
+            <a:schemeClr val="tx1"/>
+          </a:fontRef>
+        </p:style>
+      </p:cxnSp>
+      <p:cxnSp>
+        <p:nvCxnSpPr>
+          <p:cNvPr id="14" name="Straight Connector 13">
+            <a:extLst>
+              <a:ext uri="{FF2B5EF4-FFF2-40B4-BE49-F238E27FC236}">
+                <a16:creationId xmlns:a16="http://schemas.microsoft.com/office/drawing/2014/main" id="{FF2D5B2B-C0DB-68E5-330F-CBFB3B9C6122}"/>
+              </a:ext>
+            </a:extLst>
+          </p:cNvPr>
+          <p:cNvCxnSpPr>
+            <a:cxnSpLocks/>
+            <a:stCxn id="4" idx="7"/>
+            <a:endCxn id="5" idx="2"/>
+          </p:cNvCxnSpPr>
+          <p:nvPr/>
+        </p:nvCxnSpPr>
+        <p:spPr>
+          <a:xfrm flipV="1">
+            <a:off x="1331752" y="529670"/>
+            <a:ext cx="585574" cy="405169"/>
+          </a:xfrm>
+          <a:prstGeom prst="line">
+            <a:avLst/>
+          </a:prstGeom>
+        </p:spPr>
+        <p:style>
+          <a:lnRef idx="1">
+            <a:schemeClr val="dk1"/>
+          </a:lnRef>
+          <a:fillRef idx="0">
+            <a:schemeClr val="dk1"/>
+          </a:fillRef>
+          <a:effectRef idx="0">
+            <a:schemeClr val="dk1"/>
+          </a:effectRef>
+          <a:fontRef idx="minor">
+            <a:schemeClr val="tx1"/>
+          </a:fontRef>
+        </p:style>
+      </p:cxnSp>
+      <p:cxnSp>
+        <p:nvCxnSpPr>
+          <p:cNvPr id="17" name="Straight Connector 16">
+            <a:extLst>
+              <a:ext uri="{FF2B5EF4-FFF2-40B4-BE49-F238E27FC236}">
+                <a16:creationId xmlns:a16="http://schemas.microsoft.com/office/drawing/2014/main" id="{312D95EC-6FDF-5B33-A013-390B0B2CF5AD}"/>
+              </a:ext>
+            </a:extLst>
+          </p:cNvPr>
+          <p:cNvCxnSpPr>
+            <a:cxnSpLocks/>
+            <a:stCxn id="5" idx="7"/>
+            <a:endCxn id="6" idx="2"/>
+          </p:cNvCxnSpPr>
+          <p:nvPr/>
+        </p:nvCxnSpPr>
+        <p:spPr>
+          <a:xfrm flipV="1">
+            <a:off x="1978782" y="339366"/>
+            <a:ext cx="975622" cy="164848"/>
+          </a:xfrm>
+          <a:prstGeom prst="line">
+            <a:avLst/>
+          </a:prstGeom>
+        </p:spPr>
+        <p:style>
+          <a:lnRef idx="1">
+            <a:schemeClr val="dk1"/>
+          </a:lnRef>
+          <a:fillRef idx="0">
+            <a:schemeClr val="dk1"/>
+          </a:fillRef>
+          <a:effectRef idx="0">
+            <a:schemeClr val="dk1"/>
+          </a:effectRef>
+          <a:fontRef idx="minor">
+            <a:schemeClr val="tx1"/>
+          </a:fontRef>
+        </p:style>
+      </p:cxnSp>
+      <p:sp>
+        <p:nvSpPr>
+          <p:cNvPr id="21" name="Oval 20">
+            <a:extLst>
+              <a:ext uri="{FF2B5EF4-FFF2-40B4-BE49-F238E27FC236}">
+                <a16:creationId xmlns:a16="http://schemas.microsoft.com/office/drawing/2014/main" id="{1FB6E24B-1BF3-9F57-2AAE-9939A6A0D735}"/>
+              </a:ext>
+            </a:extLst>
+          </p:cNvPr>
+          <p:cNvSpPr>
+            <a:spLocks noChangeAspect="1"/>
+          </p:cNvSpPr>
+          <p:nvPr/>
+        </p:nvSpPr>
+        <p:spPr>
+          <a:xfrm>
+            <a:off x="4184972" y="296912"/>
+            <a:ext cx="72000" cy="72000"/>
+          </a:xfrm>
+          <a:prstGeom prst="ellipse">
+            <a:avLst/>
+          </a:prstGeom>
+        </p:spPr>
+        <p:style>
+          <a:lnRef idx="2">
+            <a:schemeClr val="dk1">
+              <a:shade val="50000"/>
+            </a:schemeClr>
+          </a:lnRef>
+          <a:fillRef idx="1">
+            <a:schemeClr val="dk1"/>
+          </a:fillRef>
+          <a:effectRef idx="0">
+            <a:schemeClr val="dk1"/>
+          </a:effectRef>
+          <a:fontRef idx="minor">
+            <a:schemeClr val="lt1"/>
+          </a:fontRef>
+        </p:style>
+        <p:txBody>
+          <a:bodyPr rtlCol="0" anchor="ctr"/>
+          <a:lstStyle/>
+          <a:p>
+            <a:pPr algn="ctr"/>
+            <a:endParaRPr lang="en-NL" dirty="0"/>
           </a:p>
         </p:txBody>
       </p:sp>

--- a/docs/figs/logo.pptx
+++ b/docs/figs/logo.pptx
@@ -2975,6 +2975,48 @@
       </p:grpSpPr>
       <p:cxnSp>
         <p:nvCxnSpPr>
+          <p:cNvPr id="23" name="Straight Arrow Connector 22">
+            <a:extLst>
+              <a:ext uri="{FF2B5EF4-FFF2-40B4-BE49-F238E27FC236}">
+                <a16:creationId xmlns:a16="http://schemas.microsoft.com/office/drawing/2014/main" id="{CEA0E051-DD2C-CD8A-AD00-A6F758885E30}"/>
+              </a:ext>
+            </a:extLst>
+          </p:cNvPr>
+          <p:cNvCxnSpPr>
+            <a:cxnSpLocks/>
+          </p:cNvCxnSpPr>
+          <p:nvPr/>
+        </p:nvCxnSpPr>
+        <p:spPr>
+          <a:xfrm flipV="1">
+            <a:off x="4250242" y="433426"/>
+            <a:ext cx="1575248" cy="1477678"/>
+          </a:xfrm>
+          <a:prstGeom prst="straightConnector1">
+            <a:avLst/>
+          </a:prstGeom>
+          <a:ln>
+            <a:headEnd w="lg" len="lg"/>
+            <a:tailEnd type="triangle" w="lg" len="lg"/>
+          </a:ln>
+        </p:spPr>
+        <p:style>
+          <a:lnRef idx="3">
+            <a:schemeClr val="dk1"/>
+          </a:lnRef>
+          <a:fillRef idx="0">
+            <a:schemeClr val="dk1"/>
+          </a:fillRef>
+          <a:effectRef idx="2">
+            <a:schemeClr val="dk1"/>
+          </a:effectRef>
+          <a:fontRef idx="minor">
+            <a:schemeClr val="tx1"/>
+          </a:fontRef>
+        </p:style>
+      </p:cxnSp>
+      <p:cxnSp>
+        <p:nvCxnSpPr>
           <p:cNvPr id="22" name="Straight Connector 21">
             <a:extLst>
               <a:ext uri="{FF2B5EF4-FFF2-40B4-BE49-F238E27FC236}">
@@ -2991,8 +3033,8 @@
         </p:nvCxnSpPr>
         <p:spPr>
           <a:xfrm flipV="1">
-            <a:off x="3026404" y="332912"/>
-            <a:ext cx="1158568" cy="6454"/>
+            <a:off x="3062404" y="350912"/>
+            <a:ext cx="1122568" cy="6454"/>
           </a:xfrm>
           <a:prstGeom prst="line">
             <a:avLst/>
@@ -3207,11 +3249,14 @@
         <p:spPr>
           <a:xfrm>
             <a:off x="740404" y="2243427"/>
-            <a:ext cx="72000" cy="72000"/>
+            <a:ext cx="108000" cy="108000"/>
           </a:xfrm>
           <a:prstGeom prst="ellipse">
             <a:avLst/>
           </a:prstGeom>
+          <a:solidFill>
+            <a:schemeClr val="tx2"/>
+          </a:solidFill>
         </p:spPr>
         <p:style>
           <a:lnRef idx="2">
@@ -3254,12 +3299,15 @@
         </p:nvSpPr>
         <p:spPr>
           <a:xfrm>
-            <a:off x="1029837" y="1436201"/>
-            <a:ext cx="72000" cy="72000"/>
+            <a:off x="922864" y="1551800"/>
+            <a:ext cx="108000" cy="108000"/>
           </a:xfrm>
           <a:prstGeom prst="ellipse">
             <a:avLst/>
           </a:prstGeom>
+          <a:solidFill>
+            <a:schemeClr val="tx2"/>
+          </a:solidFill>
         </p:spPr>
         <p:style>
           <a:lnRef idx="2">
@@ -3303,11 +3351,14 @@
         <p:spPr>
           <a:xfrm>
             <a:off x="1270296" y="924295"/>
-            <a:ext cx="72000" cy="72000"/>
+            <a:ext cx="108000" cy="108000"/>
           </a:xfrm>
           <a:prstGeom prst="ellipse">
             <a:avLst/>
           </a:prstGeom>
+          <a:solidFill>
+            <a:schemeClr val="tx2"/>
+          </a:solidFill>
         </p:spPr>
         <p:style>
           <a:lnRef idx="2">
@@ -3351,11 +3402,14 @@
         <p:spPr>
           <a:xfrm>
             <a:off x="1917326" y="493670"/>
-            <a:ext cx="72000" cy="72000"/>
+            <a:ext cx="108000" cy="108000"/>
           </a:xfrm>
           <a:prstGeom prst="ellipse">
             <a:avLst/>
           </a:prstGeom>
+          <a:solidFill>
+            <a:schemeClr val="tx2"/>
+          </a:solidFill>
         </p:spPr>
         <p:style>
           <a:lnRef idx="2">
@@ -3399,11 +3453,14 @@
         <p:spPr>
           <a:xfrm>
             <a:off x="2954404" y="303366"/>
-            <a:ext cx="72000" cy="72000"/>
+            <a:ext cx="108000" cy="108000"/>
           </a:xfrm>
           <a:prstGeom prst="ellipse">
             <a:avLst/>
           </a:prstGeom>
+          <a:solidFill>
+            <a:schemeClr val="tx2"/>
+          </a:solidFill>
         </p:spPr>
         <p:style>
           <a:lnRef idx="2">
@@ -3440,15 +3497,16 @@
             </a:extLst>
           </p:cNvPr>
           <p:cNvCxnSpPr>
+            <a:cxnSpLocks/>
             <a:stCxn id="2" idx="0"/>
-            <a:endCxn id="3" idx="3"/>
+            <a:endCxn id="3" idx="4"/>
           </p:cNvCxnSpPr>
           <p:nvPr/>
         </p:nvCxnSpPr>
         <p:spPr>
           <a:xfrm flipV="1">
-            <a:off x="776404" y="1497657"/>
-            <a:ext cx="263977" cy="745770"/>
+            <a:off x="794404" y="1659800"/>
+            <a:ext cx="182460" cy="583627"/>
           </a:xfrm>
           <a:prstGeom prst="line">
             <a:avLst/>
@@ -3480,15 +3538,15 @@
           </p:cNvPr>
           <p:cNvCxnSpPr>
             <a:cxnSpLocks/>
-            <a:stCxn id="3" idx="0"/>
+            <a:stCxn id="3" idx="7"/>
             <a:endCxn id="4" idx="3"/>
           </p:cNvCxnSpPr>
           <p:nvPr/>
         </p:nvCxnSpPr>
         <p:spPr>
           <a:xfrm flipV="1">
-            <a:off x="1065837" y="985751"/>
-            <a:ext cx="215003" cy="450450"/>
+            <a:off x="1015048" y="1016479"/>
+            <a:ext cx="271064" cy="551137"/>
           </a:xfrm>
           <a:prstGeom prst="line">
             <a:avLst/>
@@ -3527,8 +3585,8 @@
         </p:nvCxnSpPr>
         <p:spPr>
           <a:xfrm flipV="1">
-            <a:off x="1331752" y="529670"/>
-            <a:ext cx="585574" cy="405169"/>
+            <a:off x="1362480" y="547670"/>
+            <a:ext cx="554846" cy="392441"/>
           </a:xfrm>
           <a:prstGeom prst="line">
             <a:avLst/>
@@ -3567,8 +3625,8 @@
         </p:nvCxnSpPr>
         <p:spPr>
           <a:xfrm flipV="1">
-            <a:off x="1978782" y="339366"/>
-            <a:ext cx="975622" cy="164848"/>
+            <a:off x="2009510" y="357366"/>
+            <a:ext cx="944894" cy="152120"/>
           </a:xfrm>
           <a:prstGeom prst="line">
             <a:avLst/>
@@ -3606,11 +3664,371 @@
         <p:spPr>
           <a:xfrm>
             <a:off x="4184972" y="296912"/>
-            <a:ext cx="72000" cy="72000"/>
+            <a:ext cx="108000" cy="108000"/>
           </a:xfrm>
           <a:prstGeom prst="ellipse">
             <a:avLst/>
           </a:prstGeom>
+          <a:solidFill>
+            <a:schemeClr val="tx2"/>
+          </a:solidFill>
+        </p:spPr>
+        <p:style>
+          <a:lnRef idx="2">
+            <a:schemeClr val="dk1">
+              <a:shade val="50000"/>
+            </a:schemeClr>
+          </a:lnRef>
+          <a:fillRef idx="1">
+            <a:schemeClr val="dk1"/>
+          </a:fillRef>
+          <a:effectRef idx="0">
+            <a:schemeClr val="dk1"/>
+          </a:effectRef>
+          <a:fontRef idx="minor">
+            <a:schemeClr val="lt1"/>
+          </a:fontRef>
+        </p:style>
+        <p:txBody>
+          <a:bodyPr rtlCol="0" anchor="ctr"/>
+          <a:lstStyle/>
+          <a:p>
+            <a:pPr algn="ctr"/>
+            <a:endParaRPr lang="en-NL" dirty="0"/>
+          </a:p>
+        </p:txBody>
+      </p:sp>
+      <p:sp>
+        <p:nvSpPr>
+          <p:cNvPr id="11" name="Oval 10">
+            <a:extLst>
+              <a:ext uri="{FF2B5EF4-FFF2-40B4-BE49-F238E27FC236}">
+                <a16:creationId xmlns:a16="http://schemas.microsoft.com/office/drawing/2014/main" id="{82138F8A-DE3D-68AE-D5E5-0C0DC8E94CF3}"/>
+              </a:ext>
+            </a:extLst>
+          </p:cNvPr>
+          <p:cNvSpPr>
+            <a:spLocks noChangeAspect="1"/>
+          </p:cNvSpPr>
+          <p:nvPr/>
+        </p:nvSpPr>
+        <p:spPr>
+          <a:xfrm>
+            <a:off x="4629141" y="1168339"/>
+            <a:ext cx="180000" cy="180000"/>
+          </a:xfrm>
+          <a:prstGeom prst="ellipse">
+            <a:avLst/>
+          </a:prstGeom>
+          <a:solidFill>
+            <a:srgbClr val="C00000"/>
+          </a:solidFill>
+        </p:spPr>
+        <p:style>
+          <a:lnRef idx="2">
+            <a:schemeClr val="dk1">
+              <a:shade val="50000"/>
+            </a:schemeClr>
+          </a:lnRef>
+          <a:fillRef idx="1">
+            <a:schemeClr val="dk1"/>
+          </a:fillRef>
+          <a:effectRef idx="0">
+            <a:schemeClr val="dk1"/>
+          </a:effectRef>
+          <a:fontRef idx="minor">
+            <a:schemeClr val="lt1"/>
+          </a:fontRef>
+        </p:style>
+        <p:txBody>
+          <a:bodyPr rtlCol="0" anchor="ctr"/>
+          <a:lstStyle/>
+          <a:p>
+            <a:pPr algn="ctr"/>
+            <a:endParaRPr lang="en-NL" dirty="0"/>
+          </a:p>
+        </p:txBody>
+      </p:sp>
+      <p:sp>
+        <p:nvSpPr>
+          <p:cNvPr id="12" name="Oval 11">
+            <a:extLst>
+              <a:ext uri="{FF2B5EF4-FFF2-40B4-BE49-F238E27FC236}">
+                <a16:creationId xmlns:a16="http://schemas.microsoft.com/office/drawing/2014/main" id="{6601C663-EE06-D234-93A9-B0CA8C7441B8}"/>
+              </a:ext>
+            </a:extLst>
+          </p:cNvPr>
+          <p:cNvSpPr>
+            <a:spLocks noChangeAspect="1"/>
+          </p:cNvSpPr>
+          <p:nvPr/>
+        </p:nvSpPr>
+        <p:spPr>
+          <a:xfrm>
+            <a:off x="4833866" y="902729"/>
+            <a:ext cx="180000" cy="180000"/>
+          </a:xfrm>
+          <a:prstGeom prst="ellipse">
+            <a:avLst/>
+          </a:prstGeom>
+          <a:solidFill>
+            <a:srgbClr val="C00000"/>
+          </a:solidFill>
+        </p:spPr>
+        <p:style>
+          <a:lnRef idx="2">
+            <a:schemeClr val="dk1">
+              <a:shade val="50000"/>
+            </a:schemeClr>
+          </a:lnRef>
+          <a:fillRef idx="1">
+            <a:schemeClr val="dk1"/>
+          </a:fillRef>
+          <a:effectRef idx="0">
+            <a:schemeClr val="dk1"/>
+          </a:effectRef>
+          <a:fontRef idx="minor">
+            <a:schemeClr val="lt1"/>
+          </a:fontRef>
+        </p:style>
+        <p:txBody>
+          <a:bodyPr rtlCol="0" anchor="ctr"/>
+          <a:lstStyle/>
+          <a:p>
+            <a:pPr algn="ctr"/>
+            <a:endParaRPr lang="en-NL" dirty="0"/>
+          </a:p>
+        </p:txBody>
+      </p:sp>
+      <p:sp>
+        <p:nvSpPr>
+          <p:cNvPr id="13" name="Oval 12">
+            <a:extLst>
+              <a:ext uri="{FF2B5EF4-FFF2-40B4-BE49-F238E27FC236}">
+                <a16:creationId xmlns:a16="http://schemas.microsoft.com/office/drawing/2014/main" id="{FA0B5801-E65C-5DFE-E811-9E105651EC57}"/>
+              </a:ext>
+            </a:extLst>
+          </p:cNvPr>
+          <p:cNvSpPr>
+            <a:spLocks noChangeAspect="1"/>
+          </p:cNvSpPr>
+          <p:nvPr/>
+        </p:nvSpPr>
+        <p:spPr>
+          <a:xfrm>
+            <a:off x="4462883" y="1425800"/>
+            <a:ext cx="180000" cy="180000"/>
+          </a:xfrm>
+          <a:prstGeom prst="ellipse">
+            <a:avLst/>
+          </a:prstGeom>
+          <a:solidFill>
+            <a:srgbClr val="C00000"/>
+          </a:solidFill>
+        </p:spPr>
+        <p:style>
+          <a:lnRef idx="2">
+            <a:schemeClr val="dk1">
+              <a:shade val="50000"/>
+            </a:schemeClr>
+          </a:lnRef>
+          <a:fillRef idx="1">
+            <a:schemeClr val="dk1"/>
+          </a:fillRef>
+          <a:effectRef idx="0">
+            <a:schemeClr val="dk1"/>
+          </a:effectRef>
+          <a:fontRef idx="minor">
+            <a:schemeClr val="lt1"/>
+          </a:fontRef>
+        </p:style>
+        <p:txBody>
+          <a:bodyPr rtlCol="0" anchor="ctr"/>
+          <a:lstStyle/>
+          <a:p>
+            <a:pPr algn="ctr"/>
+            <a:endParaRPr lang="en-NL" dirty="0"/>
+          </a:p>
+        </p:txBody>
+      </p:sp>
+      <p:sp>
+        <p:nvSpPr>
+          <p:cNvPr id="15" name="Oval 14">
+            <a:extLst>
+              <a:ext uri="{FF2B5EF4-FFF2-40B4-BE49-F238E27FC236}">
+                <a16:creationId xmlns:a16="http://schemas.microsoft.com/office/drawing/2014/main" id="{1C00A6C7-8A1E-FD44-C80A-24E5853EF736}"/>
+              </a:ext>
+            </a:extLst>
+          </p:cNvPr>
+          <p:cNvSpPr>
+            <a:spLocks noChangeAspect="1"/>
+          </p:cNvSpPr>
+          <p:nvPr/>
+        </p:nvSpPr>
+        <p:spPr>
+          <a:xfrm>
+            <a:off x="5148170" y="1100160"/>
+            <a:ext cx="180000" cy="180000"/>
+          </a:xfrm>
+          <a:prstGeom prst="ellipse">
+            <a:avLst/>
+          </a:prstGeom>
+          <a:solidFill>
+            <a:srgbClr val="C00000"/>
+          </a:solidFill>
+        </p:spPr>
+        <p:style>
+          <a:lnRef idx="2">
+            <a:schemeClr val="dk1">
+              <a:shade val="50000"/>
+            </a:schemeClr>
+          </a:lnRef>
+          <a:fillRef idx="1">
+            <a:schemeClr val="dk1"/>
+          </a:fillRef>
+          <a:effectRef idx="0">
+            <a:schemeClr val="dk1"/>
+          </a:effectRef>
+          <a:fontRef idx="minor">
+            <a:schemeClr val="lt1"/>
+          </a:fontRef>
+        </p:style>
+        <p:txBody>
+          <a:bodyPr rtlCol="0" anchor="ctr"/>
+          <a:lstStyle/>
+          <a:p>
+            <a:pPr algn="ctr"/>
+            <a:endParaRPr lang="en-NL" dirty="0"/>
+          </a:p>
+        </p:txBody>
+      </p:sp>
+      <p:sp>
+        <p:nvSpPr>
+          <p:cNvPr id="16" name="Oval 15">
+            <a:extLst>
+              <a:ext uri="{FF2B5EF4-FFF2-40B4-BE49-F238E27FC236}">
+                <a16:creationId xmlns:a16="http://schemas.microsoft.com/office/drawing/2014/main" id="{97403D31-12C3-A371-9183-0BDBA93AE98F}"/>
+              </a:ext>
+            </a:extLst>
+          </p:cNvPr>
+          <p:cNvSpPr>
+            <a:spLocks noChangeAspect="1"/>
+          </p:cNvSpPr>
+          <p:nvPr/>
+        </p:nvSpPr>
+        <p:spPr>
+          <a:xfrm>
+            <a:off x="4896790" y="1296541"/>
+            <a:ext cx="180000" cy="180000"/>
+          </a:xfrm>
+          <a:prstGeom prst="ellipse">
+            <a:avLst/>
+          </a:prstGeom>
+          <a:solidFill>
+            <a:srgbClr val="C00000"/>
+          </a:solidFill>
+        </p:spPr>
+        <p:style>
+          <a:lnRef idx="2">
+            <a:schemeClr val="dk1">
+              <a:shade val="50000"/>
+            </a:schemeClr>
+          </a:lnRef>
+          <a:fillRef idx="1">
+            <a:schemeClr val="dk1"/>
+          </a:fillRef>
+          <a:effectRef idx="0">
+            <a:schemeClr val="dk1"/>
+          </a:effectRef>
+          <a:fontRef idx="minor">
+            <a:schemeClr val="lt1"/>
+          </a:fontRef>
+        </p:style>
+        <p:txBody>
+          <a:bodyPr rtlCol="0" anchor="ctr"/>
+          <a:lstStyle/>
+          <a:p>
+            <a:pPr algn="ctr"/>
+            <a:endParaRPr lang="en-NL" dirty="0"/>
+          </a:p>
+        </p:txBody>
+      </p:sp>
+      <p:sp>
+        <p:nvSpPr>
+          <p:cNvPr id="18" name="Oval 17">
+            <a:extLst>
+              <a:ext uri="{FF2B5EF4-FFF2-40B4-BE49-F238E27FC236}">
+                <a16:creationId xmlns:a16="http://schemas.microsoft.com/office/drawing/2014/main" id="{2E7437E5-29F4-C4DF-4A1D-49426AF95A73}"/>
+              </a:ext>
+            </a:extLst>
+          </p:cNvPr>
+          <p:cNvSpPr>
+            <a:spLocks noChangeAspect="1"/>
+          </p:cNvSpPr>
+          <p:nvPr/>
+        </p:nvSpPr>
+        <p:spPr>
+          <a:xfrm>
+            <a:off x="5148170" y="823380"/>
+            <a:ext cx="180000" cy="180000"/>
+          </a:xfrm>
+          <a:prstGeom prst="ellipse">
+            <a:avLst/>
+          </a:prstGeom>
+          <a:solidFill>
+            <a:srgbClr val="C00000"/>
+          </a:solidFill>
+        </p:spPr>
+        <p:style>
+          <a:lnRef idx="2">
+            <a:schemeClr val="dk1">
+              <a:shade val="50000"/>
+            </a:schemeClr>
+          </a:lnRef>
+          <a:fillRef idx="1">
+            <a:schemeClr val="dk1"/>
+          </a:fillRef>
+          <a:effectRef idx="0">
+            <a:schemeClr val="dk1"/>
+          </a:effectRef>
+          <a:fontRef idx="minor">
+            <a:schemeClr val="lt1"/>
+          </a:fontRef>
+        </p:style>
+        <p:txBody>
+          <a:bodyPr rtlCol="0" anchor="ctr"/>
+          <a:lstStyle/>
+          <a:p>
+            <a:pPr algn="ctr"/>
+            <a:endParaRPr lang="en-NL" dirty="0"/>
+          </a:p>
+        </p:txBody>
+      </p:sp>
+      <p:sp>
+        <p:nvSpPr>
+          <p:cNvPr id="19" name="Oval 18">
+            <a:extLst>
+              <a:ext uri="{FF2B5EF4-FFF2-40B4-BE49-F238E27FC236}">
+                <a16:creationId xmlns:a16="http://schemas.microsoft.com/office/drawing/2014/main" id="{40A083ED-D630-43BD-092F-52D4FF5B6844}"/>
+              </a:ext>
+            </a:extLst>
+          </p:cNvPr>
+          <p:cNvSpPr>
+            <a:spLocks noChangeAspect="1"/>
+          </p:cNvSpPr>
+          <p:nvPr/>
+        </p:nvSpPr>
+        <p:spPr>
+          <a:xfrm>
+            <a:off x="5426396" y="796947"/>
+            <a:ext cx="180000" cy="180000"/>
+          </a:xfrm>
+          <a:prstGeom prst="ellipse">
+            <a:avLst/>
+          </a:prstGeom>
+          <a:solidFill>
+            <a:srgbClr val="C00000"/>
+          </a:solidFill>
         </p:spPr>
         <p:style>
           <a:lnRef idx="2">

--- a/docs/figs/logo.pptx
+++ b/docs/figs/logo.pptx
@@ -2975,48 +2975,6 @@
       </p:grpSpPr>
       <p:cxnSp>
         <p:nvCxnSpPr>
-          <p:cNvPr id="23" name="Straight Arrow Connector 22">
-            <a:extLst>
-              <a:ext uri="{FF2B5EF4-FFF2-40B4-BE49-F238E27FC236}">
-                <a16:creationId xmlns:a16="http://schemas.microsoft.com/office/drawing/2014/main" id="{CEA0E051-DD2C-CD8A-AD00-A6F758885E30}"/>
-              </a:ext>
-            </a:extLst>
-          </p:cNvPr>
-          <p:cNvCxnSpPr>
-            <a:cxnSpLocks/>
-          </p:cNvCxnSpPr>
-          <p:nvPr/>
-        </p:nvCxnSpPr>
-        <p:spPr>
-          <a:xfrm flipV="1">
-            <a:off x="4250242" y="433426"/>
-            <a:ext cx="1575248" cy="1477678"/>
-          </a:xfrm>
-          <a:prstGeom prst="straightConnector1">
-            <a:avLst/>
-          </a:prstGeom>
-          <a:ln>
-            <a:headEnd w="lg" len="lg"/>
-            <a:tailEnd type="triangle" w="lg" len="lg"/>
-          </a:ln>
-        </p:spPr>
-        <p:style>
-          <a:lnRef idx="3">
-            <a:schemeClr val="dk1"/>
-          </a:lnRef>
-          <a:fillRef idx="0">
-            <a:schemeClr val="dk1"/>
-          </a:fillRef>
-          <a:effectRef idx="2">
-            <a:schemeClr val="dk1"/>
-          </a:effectRef>
-          <a:fontRef idx="minor">
-            <a:schemeClr val="tx1"/>
-          </a:fontRef>
-        </p:style>
-      </p:cxnSp>
-      <p:cxnSp>
-        <p:nvCxnSpPr>
           <p:cNvPr id="22" name="Straight Connector 21">
             <a:extLst>
               <a:ext uri="{FF2B5EF4-FFF2-40B4-BE49-F238E27FC236}">
@@ -3714,14 +3672,16 @@
         </p:nvSpPr>
         <p:spPr>
           <a:xfrm>
-            <a:off x="4629141" y="1168339"/>
+            <a:off x="1914644" y="1345618"/>
             <a:ext cx="180000" cy="180000"/>
           </a:xfrm>
           <a:prstGeom prst="ellipse">
             <a:avLst/>
           </a:prstGeom>
           <a:solidFill>
-            <a:srgbClr val="C00000"/>
+            <a:srgbClr val="C00000">
+              <a:alpha val="15000"/>
+            </a:srgbClr>
           </a:solidFill>
         </p:spPr>
         <p:style>
@@ -3765,14 +3725,16 @@
         </p:nvSpPr>
         <p:spPr>
           <a:xfrm>
-            <a:off x="4833866" y="902729"/>
+            <a:off x="2203505" y="1176426"/>
             <a:ext cx="180000" cy="180000"/>
           </a:xfrm>
           <a:prstGeom prst="ellipse">
             <a:avLst/>
           </a:prstGeom>
           <a:solidFill>
-            <a:srgbClr val="C00000"/>
+            <a:srgbClr val="C00000">
+              <a:alpha val="15000"/>
+            </a:srgbClr>
           </a:solidFill>
         </p:spPr>
         <p:style>
@@ -3816,14 +3778,16 @@
         </p:nvSpPr>
         <p:spPr>
           <a:xfrm>
-            <a:off x="4462883" y="1425800"/>
+            <a:off x="1654134" y="1597917"/>
             <a:ext cx="180000" cy="180000"/>
           </a:xfrm>
           <a:prstGeom prst="ellipse">
             <a:avLst/>
           </a:prstGeom>
           <a:solidFill>
-            <a:srgbClr val="C00000"/>
+            <a:srgbClr val="C00000">
+              <a:alpha val="15000"/>
+            </a:srgbClr>
           </a:solidFill>
         </p:spPr>
         <p:style>
@@ -3867,14 +3831,16 @@
         </p:nvSpPr>
         <p:spPr>
           <a:xfrm>
-            <a:off x="5148170" y="1100160"/>
+            <a:off x="2408788" y="1299423"/>
             <a:ext cx="180000" cy="180000"/>
           </a:xfrm>
           <a:prstGeom prst="ellipse">
             <a:avLst/>
           </a:prstGeom>
           <a:solidFill>
-            <a:srgbClr val="C00000"/>
+            <a:srgbClr val="C00000">
+              <a:alpha val="15000"/>
+            </a:srgbClr>
           </a:solidFill>
         </p:spPr>
         <p:style>
@@ -3918,14 +3884,16 @@
         </p:nvSpPr>
         <p:spPr>
           <a:xfrm>
-            <a:off x="4896790" y="1296541"/>
+            <a:off x="2228788" y="1571263"/>
             <a:ext cx="180000" cy="180000"/>
           </a:xfrm>
           <a:prstGeom prst="ellipse">
             <a:avLst/>
           </a:prstGeom>
           <a:solidFill>
-            <a:srgbClr val="C00000"/>
+            <a:srgbClr val="C00000">
+              <a:alpha val="15000"/>
+            </a:srgbClr>
           </a:solidFill>
         </p:spPr>
         <p:style>
@@ -3969,14 +3937,16 @@
         </p:nvSpPr>
         <p:spPr>
           <a:xfrm>
-            <a:off x="5148170" y="823380"/>
+            <a:off x="2318788" y="900520"/>
             <a:ext cx="180000" cy="180000"/>
           </a:xfrm>
           <a:prstGeom prst="ellipse">
             <a:avLst/>
           </a:prstGeom>
           <a:solidFill>
-            <a:srgbClr val="C00000"/>
+            <a:srgbClr val="C00000">
+              <a:alpha val="15000"/>
+            </a:srgbClr>
           </a:solidFill>
         </p:spPr>
         <p:style>
@@ -4020,14 +3990,16 @@
         </p:nvSpPr>
         <p:spPr>
           <a:xfrm>
-            <a:off x="5426396" y="796947"/>
+            <a:off x="2774404" y="943153"/>
             <a:ext cx="180000" cy="180000"/>
           </a:xfrm>
           <a:prstGeom prst="ellipse">
             <a:avLst/>
           </a:prstGeom>
           <a:solidFill>
-            <a:srgbClr val="C00000"/>
+            <a:srgbClr val="C00000">
+              <a:alpha val="15000"/>
+            </a:srgbClr>
           </a:solidFill>
         </p:spPr>
         <p:style>
